--- a/PMP - copia.pptx
+++ b/PMP - copia.pptx
@@ -210,7 +210,7 @@
           <a:p>
             <a:fld id="{910E04AC-2A98-49A9-BADC-8F260B476ABC}" type="datetimeFigureOut">
               <a:rPr lang="es-ES" smtClean="0"/>
-              <a:t>21/11/2019</a:t>
+              <a:t>22/11/2019</a:t>
             </a:fld>
             <a:endParaRPr lang="es-ES"/>
           </a:p>
@@ -660,7 +660,7 @@
           <a:p>
             <a:fld id="{0D3241B9-7418-4D04-8513-BBDBFD6F2182}" type="datetimeFigureOut">
               <a:rPr lang="es-ES" smtClean="0"/>
-              <a:t>21/11/2019</a:t>
+              <a:t>22/11/2019</a:t>
             </a:fld>
             <a:endParaRPr lang="es-ES"/>
           </a:p>
@@ -935,7 +935,7 @@
           <a:p>
             <a:fld id="{0D3241B9-7418-4D04-8513-BBDBFD6F2182}" type="datetimeFigureOut">
               <a:rPr lang="es-ES" smtClean="0"/>
-              <a:t>21/11/2019</a:t>
+              <a:t>22/11/2019</a:t>
             </a:fld>
             <a:endParaRPr lang="es-ES"/>
           </a:p>
@@ -1129,7 +1129,7 @@
           <a:p>
             <a:fld id="{0D3241B9-7418-4D04-8513-BBDBFD6F2182}" type="datetimeFigureOut">
               <a:rPr lang="es-ES" smtClean="0"/>
-              <a:t>21/11/2019</a:t>
+              <a:t>22/11/2019</a:t>
             </a:fld>
             <a:endParaRPr lang="es-ES"/>
           </a:p>
@@ -1397,7 +1397,7 @@
           <a:p>
             <a:fld id="{0D3241B9-7418-4D04-8513-BBDBFD6F2182}" type="datetimeFigureOut">
               <a:rPr lang="es-ES" smtClean="0"/>
-              <a:t>21/11/2019</a:t>
+              <a:t>22/11/2019</a:t>
             </a:fld>
             <a:endParaRPr lang="es-ES"/>
           </a:p>
@@ -1729,7 +1729,7 @@
           <a:p>
             <a:fld id="{0D3241B9-7418-4D04-8513-BBDBFD6F2182}" type="datetimeFigureOut">
               <a:rPr lang="es-ES" smtClean="0"/>
-              <a:t>21/11/2019</a:t>
+              <a:t>22/11/2019</a:t>
             </a:fld>
             <a:endParaRPr lang="es-ES"/>
           </a:p>
@@ -2339,7 +2339,7 @@
           <a:p>
             <a:fld id="{0D3241B9-7418-4D04-8513-BBDBFD6F2182}" type="datetimeFigureOut">
               <a:rPr lang="es-ES" smtClean="0"/>
-              <a:t>21/11/2019</a:t>
+              <a:t>22/11/2019</a:t>
             </a:fld>
             <a:endParaRPr lang="es-ES"/>
           </a:p>
@@ -3186,7 +3186,7 @@
           <a:p>
             <a:fld id="{0D3241B9-7418-4D04-8513-BBDBFD6F2182}" type="datetimeFigureOut">
               <a:rPr lang="es-ES" smtClean="0"/>
-              <a:t>21/11/2019</a:t>
+              <a:t>22/11/2019</a:t>
             </a:fld>
             <a:endParaRPr lang="es-ES"/>
           </a:p>
@@ -3356,7 +3356,7 @@
           <a:p>
             <a:fld id="{0D3241B9-7418-4D04-8513-BBDBFD6F2182}" type="datetimeFigureOut">
               <a:rPr lang="es-ES" smtClean="0"/>
-              <a:t>21/11/2019</a:t>
+              <a:t>22/11/2019</a:t>
             </a:fld>
             <a:endParaRPr lang="es-ES"/>
           </a:p>
@@ -3536,7 +3536,7 @@
           <a:p>
             <a:fld id="{0D3241B9-7418-4D04-8513-BBDBFD6F2182}" type="datetimeFigureOut">
               <a:rPr lang="es-ES" smtClean="0"/>
-              <a:t>21/11/2019</a:t>
+              <a:t>22/11/2019</a:t>
             </a:fld>
             <a:endParaRPr lang="es-ES"/>
           </a:p>
@@ -3706,7 +3706,7 @@
           <a:p>
             <a:fld id="{0D3241B9-7418-4D04-8513-BBDBFD6F2182}" type="datetimeFigureOut">
               <a:rPr lang="es-ES" smtClean="0"/>
-              <a:t>21/11/2019</a:t>
+              <a:t>22/11/2019</a:t>
             </a:fld>
             <a:endParaRPr lang="es-ES"/>
           </a:p>
@@ -3950,7 +3950,7 @@
           <a:p>
             <a:fld id="{0D3241B9-7418-4D04-8513-BBDBFD6F2182}" type="datetimeFigureOut">
               <a:rPr lang="es-ES" smtClean="0"/>
-              <a:t>21/11/2019</a:t>
+              <a:t>22/11/2019</a:t>
             </a:fld>
             <a:endParaRPr lang="es-ES"/>
           </a:p>
@@ -4242,7 +4242,7 @@
           <a:p>
             <a:fld id="{0D3241B9-7418-4D04-8513-BBDBFD6F2182}" type="datetimeFigureOut">
               <a:rPr lang="es-ES" smtClean="0"/>
-              <a:t>21/11/2019</a:t>
+              <a:t>22/11/2019</a:t>
             </a:fld>
             <a:endParaRPr lang="es-ES"/>
           </a:p>
@@ -4680,7 +4680,7 @@
           <a:p>
             <a:fld id="{0D3241B9-7418-4D04-8513-BBDBFD6F2182}" type="datetimeFigureOut">
               <a:rPr lang="es-ES" smtClean="0"/>
-              <a:t>21/11/2019</a:t>
+              <a:t>22/11/2019</a:t>
             </a:fld>
             <a:endParaRPr lang="es-ES"/>
           </a:p>
@@ -4798,7 +4798,7 @@
           <a:p>
             <a:fld id="{0D3241B9-7418-4D04-8513-BBDBFD6F2182}" type="datetimeFigureOut">
               <a:rPr lang="es-ES" smtClean="0"/>
-              <a:t>21/11/2019</a:t>
+              <a:t>22/11/2019</a:t>
             </a:fld>
             <a:endParaRPr lang="es-ES"/>
           </a:p>
@@ -4893,7 +4893,7 @@
           <a:p>
             <a:fld id="{0D3241B9-7418-4D04-8513-BBDBFD6F2182}" type="datetimeFigureOut">
               <a:rPr lang="es-ES" smtClean="0"/>
-              <a:t>21/11/2019</a:t>
+              <a:t>22/11/2019</a:t>
             </a:fld>
             <a:endParaRPr lang="es-ES"/>
           </a:p>
@@ -5172,7 +5172,7 @@
           <a:p>
             <a:fld id="{0D3241B9-7418-4D04-8513-BBDBFD6F2182}" type="datetimeFigureOut">
               <a:rPr lang="es-ES" smtClean="0"/>
-              <a:t>21/11/2019</a:t>
+              <a:t>22/11/2019</a:t>
             </a:fld>
             <a:endParaRPr lang="es-ES"/>
           </a:p>
@@ -5447,7 +5447,7 @@
           <a:p>
             <a:fld id="{0D3241B9-7418-4D04-8513-BBDBFD6F2182}" type="datetimeFigureOut">
               <a:rPr lang="es-ES" smtClean="0"/>
-              <a:t>21/11/2019</a:t>
+              <a:t>22/11/2019</a:t>
             </a:fld>
             <a:endParaRPr lang="es-ES"/>
           </a:p>
@@ -5876,7 +5876,7 @@
           <a:p>
             <a:fld id="{0D3241B9-7418-4D04-8513-BBDBFD6F2182}" type="datetimeFigureOut">
               <a:rPr lang="es-ES" smtClean="0"/>
-              <a:t>21/11/2019</a:t>
+              <a:t>22/11/2019</a:t>
             </a:fld>
             <a:endParaRPr lang="es-ES"/>
           </a:p>
@@ -8504,7 +8504,7 @@
           <a:p>
             <a:r>
               <a:rPr lang="es-ES" dirty="0"/>
-              <a:t>Las islas representan el objeto. Por el cual trabajamos todos los días para llegar ahí. (Entregar el pedido al cliente)</a:t>
+              <a:t>Las islas representan el objetivo. Por el cual trabajamos todos los días para llegar ahí. (Entregar el pedido al cliente)</a:t>
             </a:r>
           </a:p>
           <a:p>
